--- a/Presentations/Week5.pptx
+++ b/Presentations/Week5.pptx
@@ -10,7 +10,7 @@
     <p:sldId id="258" r:id="rId4"/>
     <p:sldId id="259" r:id="rId5"/>
     <p:sldId id="260" r:id="rId6"/>
-    <p:sldId id="261" r:id="rId7"/>
+    <p:sldId id="262" r:id="rId7"/>
   </p:sldIdLst>
   <p:sldSz cx="12192000" cy="6858000"/>
   <p:notesSz cx="6858000" cy="9144000"/>
@@ -109,7 +109,16 @@
       </a:defRPr>
     </a:lvl9pPr>
   </p:defaultTextStyle>
+  <p:extLst>
+    <p:ext uri="{EFAFB233-063F-42B5-8137-9DF3F51BA10A}">
+      <p15:sldGuideLst xmlns:p15="http://schemas.microsoft.com/office/powerpoint/2012/main"/>
+    </p:ext>
+  </p:extLst>
 </p:presentation>
+</file>
+
+<file path=ppt/revisionInfo.xml><?xml version="1.0" encoding="utf-8"?>
+<p1510:revInfo xmlns:a="http://schemas.openxmlformats.org/drawingml/2006/main" xmlns:r="http://schemas.openxmlformats.org/officeDocument/2006/relationships" xmlns:p1510="http://schemas.microsoft.com/office/powerpoint/2015/10/main"/>
 </file>
 
 <file path=ppt/diagrams/colors1.xml><?xml version="1.0" encoding="utf-8"?>
@@ -10821,7 +10830,7 @@
           <p:cNvPr id="2" name="Title 1">
             <a:extLst>
               <a:ext uri="{FF2B5EF4-FFF2-40B4-BE49-F238E27FC236}">
-                <a16:creationId xmlns:a16="http://schemas.microsoft.com/office/drawing/2014/main" id="{741A90B2-A8A8-4D62-ACC4-C2B4741197F2}"/>
+                <a16:creationId xmlns:a16="http://schemas.microsoft.com/office/drawing/2014/main" id="{7C915CE8-4564-4BDF-8CCB-451E76CC3EAB}"/>
               </a:ext>
             </a:extLst>
           </p:cNvPr>
@@ -10846,40 +10855,86 @@
           </a:p>
         </p:txBody>
       </p:sp>
-      <p:pic>
-        <p:nvPicPr>
-          <p:cNvPr id="5" name="Picture 4">
+      <p:sp>
+        <p:nvSpPr>
+          <p:cNvPr id="3" name="Content Placeholder 2">
             <a:extLst>
               <a:ext uri="{FF2B5EF4-FFF2-40B4-BE49-F238E27FC236}">
-                <a16:creationId xmlns:a16="http://schemas.microsoft.com/office/drawing/2014/main" id="{34031381-D8BF-45E3-AA01-4D40960CFFF0}"/>
+                <a16:creationId xmlns:a16="http://schemas.microsoft.com/office/drawing/2014/main" id="{EAE88F9F-9261-4A7E-B4C2-5D4703DA2BA4}"/>
               </a:ext>
             </a:extLst>
           </p:cNvPr>
-          <p:cNvPicPr>
-            <a:picLocks noChangeAspect="1"/>
-          </p:cNvPicPr>
-          <p:nvPr/>
-        </p:nvPicPr>
-        <p:blipFill>
-          <a:blip r:embed="rId2"/>
-          <a:stretch>
-            <a:fillRect/>
-          </a:stretch>
-        </p:blipFill>
+          <p:cNvSpPr>
+            <a:spLocks noGrp="1"/>
+          </p:cNvSpPr>
+          <p:nvPr>
+            <p:ph idx="1"/>
+          </p:nvPr>
+        </p:nvSpPr>
         <p:spPr>
           <a:xfrm>
-            <a:off x="3217862" y="1938337"/>
-            <a:ext cx="5753100" cy="4314826"/>
+            <a:off x="1141413" y="2062717"/>
+            <a:ext cx="9905998" cy="3728484"/>
           </a:xfrm>
-          <a:prstGeom prst="rect">
-            <a:avLst/>
-          </a:prstGeom>
         </p:spPr>
-      </p:pic>
+        <p:txBody>
+          <a:bodyPr>
+            <a:normAutofit/>
+          </a:bodyPr>
+          <a:lstStyle/>
+          <a:p>
+            <a:r>
+              <a:rPr lang="en-US" sz="2800" dirty="0"/>
+              <a:t>Define equivalence classes and unit tests per page</a:t>
+            </a:r>
+          </a:p>
+          <a:p>
+            <a:r>
+              <a:rPr lang="en-US" sz="2800" dirty="0"/>
+              <a:t>Define Integration tests per route</a:t>
+            </a:r>
+          </a:p>
+          <a:p>
+            <a:r>
+              <a:rPr lang="en-US" sz="2800" dirty="0"/>
+              <a:t>Define System test</a:t>
+            </a:r>
+          </a:p>
+          <a:p>
+            <a:r>
+              <a:rPr lang="en-US" sz="2800" dirty="0"/>
+              <a:t>Define Acceptance Tests (See milestone 3)</a:t>
+            </a:r>
+          </a:p>
+          <a:p>
+            <a:r>
+              <a:rPr lang="en-US" sz="2800" dirty="0" err="1"/>
+              <a:t>Katalon</a:t>
+            </a:r>
+            <a:r>
+              <a:rPr lang="en-US" sz="2800" dirty="0"/>
+              <a:t> for front-end</a:t>
+            </a:r>
+          </a:p>
+          <a:p>
+            <a:r>
+              <a:rPr lang="en-US" sz="2800" dirty="0" err="1"/>
+              <a:t>Unittest</a:t>
+            </a:r>
+            <a:r>
+              <a:rPr lang="en-US" sz="2800" dirty="0"/>
+              <a:t> for back-end</a:t>
+            </a:r>
+          </a:p>
+          <a:p>
+            <a:endParaRPr lang="en-US" dirty="0"/>
+          </a:p>
+        </p:txBody>
+      </p:sp>
     </p:spTree>
     <p:extLst>
       <p:ext uri="{BB962C8B-B14F-4D97-AF65-F5344CB8AC3E}">
-        <p14:creationId xmlns:p14="http://schemas.microsoft.com/office/powerpoint/2010/main" val="2099610312"/>
+        <p14:creationId xmlns:p14="http://schemas.microsoft.com/office/powerpoint/2010/main" val="4062540800"/>
       </p:ext>
     </p:extLst>
   </p:cSld>
